--- a/draft.pptx
+++ b/draft.pptx
@@ -5987,8 +5987,8 @@
         </p:blipFill>
         <p:spPr>
           <a:xfrm>
-            <a:off x="6978176" y="401714"/>
-            <a:ext cx="4536490" cy="6202434"/>
+            <a:off x="4781899" y="-5182310"/>
+            <a:ext cx="8472461" cy="11583819"/>
           </a:xfrm>
         </p:spPr>
       </p:pic>
@@ -6354,8 +6354,8 @@
         </p:blipFill>
         <p:spPr>
           <a:xfrm>
-            <a:off x="682017" y="1040268"/>
-            <a:ext cx="10515600" cy="5579996"/>
+            <a:off x="137383" y="662781"/>
+            <a:ext cx="11917234" cy="6323759"/>
           </a:xfrm>
         </p:spPr>
       </p:pic>
